--- a/resource/0005/0005.pptx
+++ b/resource/0005/0005.pptx
@@ -9,7 +9,8 @@
     <p:sldId id="257" r:id="rId3"/>
     <p:sldId id="259" r:id="rId4"/>
     <p:sldId id="256" r:id="rId5"/>
-    <p:sldId id="260" r:id="rId6"/>
+    <p:sldId id="262" r:id="rId6"/>
+    <p:sldId id="261" r:id="rId7"/>
   </p:sldIdLst>
   <p:sldSz cx="12192000" cy="6858000"/>
   <p:notesSz cx="6858000" cy="9144000"/>
@@ -263,7 +264,7 @@
           <a:p>
             <a:fld id="{6DD6498C-B62B-4F0A-B7C2-9D45D702C41F}" type="datetimeFigureOut">
               <a:rPr lang="zh-CN" altLang="en-US" smtClean="0"/>
-              <a:t>2019/11/18</a:t>
+              <a:t>2019/11/19</a:t>
             </a:fld>
             <a:endParaRPr lang="zh-CN" altLang="en-US"/>
           </a:p>
@@ -461,7 +462,7 @@
           <a:p>
             <a:fld id="{6DD6498C-B62B-4F0A-B7C2-9D45D702C41F}" type="datetimeFigureOut">
               <a:rPr lang="zh-CN" altLang="en-US" smtClean="0"/>
-              <a:t>2019/11/18</a:t>
+              <a:t>2019/11/19</a:t>
             </a:fld>
             <a:endParaRPr lang="zh-CN" altLang="en-US"/>
           </a:p>
@@ -669,7 +670,7 @@
           <a:p>
             <a:fld id="{6DD6498C-B62B-4F0A-B7C2-9D45D702C41F}" type="datetimeFigureOut">
               <a:rPr lang="zh-CN" altLang="en-US" smtClean="0"/>
-              <a:t>2019/11/18</a:t>
+              <a:t>2019/11/19</a:t>
             </a:fld>
             <a:endParaRPr lang="zh-CN" altLang="en-US"/>
           </a:p>
@@ -867,7 +868,7 @@
           <a:p>
             <a:fld id="{6DD6498C-B62B-4F0A-B7C2-9D45D702C41F}" type="datetimeFigureOut">
               <a:rPr lang="zh-CN" altLang="en-US" smtClean="0"/>
-              <a:t>2019/11/18</a:t>
+              <a:t>2019/11/19</a:t>
             </a:fld>
             <a:endParaRPr lang="zh-CN" altLang="en-US"/>
           </a:p>
@@ -1142,7 +1143,7 @@
           <a:p>
             <a:fld id="{6DD6498C-B62B-4F0A-B7C2-9D45D702C41F}" type="datetimeFigureOut">
               <a:rPr lang="zh-CN" altLang="en-US" smtClean="0"/>
-              <a:t>2019/11/18</a:t>
+              <a:t>2019/11/19</a:t>
             </a:fld>
             <a:endParaRPr lang="zh-CN" altLang="en-US"/>
           </a:p>
@@ -1407,7 +1408,7 @@
           <a:p>
             <a:fld id="{6DD6498C-B62B-4F0A-B7C2-9D45D702C41F}" type="datetimeFigureOut">
               <a:rPr lang="zh-CN" altLang="en-US" smtClean="0"/>
-              <a:t>2019/11/18</a:t>
+              <a:t>2019/11/19</a:t>
             </a:fld>
             <a:endParaRPr lang="zh-CN" altLang="en-US"/>
           </a:p>
@@ -1819,7 +1820,7 @@
           <a:p>
             <a:fld id="{6DD6498C-B62B-4F0A-B7C2-9D45D702C41F}" type="datetimeFigureOut">
               <a:rPr lang="zh-CN" altLang="en-US" smtClean="0"/>
-              <a:t>2019/11/18</a:t>
+              <a:t>2019/11/19</a:t>
             </a:fld>
             <a:endParaRPr lang="zh-CN" altLang="en-US"/>
           </a:p>
@@ -1960,7 +1961,7 @@
           <a:p>
             <a:fld id="{6DD6498C-B62B-4F0A-B7C2-9D45D702C41F}" type="datetimeFigureOut">
               <a:rPr lang="zh-CN" altLang="en-US" smtClean="0"/>
-              <a:t>2019/11/18</a:t>
+              <a:t>2019/11/19</a:t>
             </a:fld>
             <a:endParaRPr lang="zh-CN" altLang="en-US"/>
           </a:p>
@@ -2073,7 +2074,7 @@
           <a:p>
             <a:fld id="{6DD6498C-B62B-4F0A-B7C2-9D45D702C41F}" type="datetimeFigureOut">
               <a:rPr lang="zh-CN" altLang="en-US" smtClean="0"/>
-              <a:t>2019/11/18</a:t>
+              <a:t>2019/11/19</a:t>
             </a:fld>
             <a:endParaRPr lang="zh-CN" altLang="en-US"/>
           </a:p>
@@ -2384,7 +2385,7 @@
           <a:p>
             <a:fld id="{6DD6498C-B62B-4F0A-B7C2-9D45D702C41F}" type="datetimeFigureOut">
               <a:rPr lang="zh-CN" altLang="en-US" smtClean="0"/>
-              <a:t>2019/11/18</a:t>
+              <a:t>2019/11/19</a:t>
             </a:fld>
             <a:endParaRPr lang="zh-CN" altLang="en-US"/>
           </a:p>
@@ -2672,7 +2673,7 @@
           <a:p>
             <a:fld id="{6DD6498C-B62B-4F0A-B7C2-9D45D702C41F}" type="datetimeFigureOut">
               <a:rPr lang="zh-CN" altLang="en-US" smtClean="0"/>
-              <a:t>2019/11/18</a:t>
+              <a:t>2019/11/19</a:t>
             </a:fld>
             <a:endParaRPr lang="zh-CN" altLang="en-US"/>
           </a:p>
@@ -2913,7 +2914,7 @@
           <a:p>
             <a:fld id="{6DD6498C-B62B-4F0A-B7C2-9D45D702C41F}" type="datetimeFigureOut">
               <a:rPr lang="zh-CN" altLang="en-US" smtClean="0"/>
-              <a:t>2019/11/18</a:t>
+              <a:t>2019/11/19</a:t>
             </a:fld>
             <a:endParaRPr lang="zh-CN" altLang="en-US"/>
           </a:p>
@@ -3998,26 +3999,8 @@
                 <a:latin typeface="Alibaba Sans Light" panose="020B0303020203040204" pitchFamily="34" charset="0"/>
                 <a:cs typeface="Alibaba Sans Light" panose="020B0303020203040204" pitchFamily="34" charset="0"/>
               </a:rPr>
-              <a:t>为啥</a:t>
-            </a:r>
-            <a:r>
-              <a:rPr lang="en-US" altLang="zh-CN" dirty="0">
-                <a:latin typeface="Alibaba Sans Light" panose="020B0303020203040204" pitchFamily="34" charset="0"/>
-                <a:cs typeface="Alibaba Sans Light" panose="020B0303020203040204" pitchFamily="34" charset="0"/>
-              </a:rPr>
-              <a:t>Blender</a:t>
-            </a:r>
-            <a:r>
-              <a:rPr lang="zh-CN" altLang="en-US" dirty="0">
-                <a:latin typeface="Alibaba Sans Light" panose="020B0303020203040204" pitchFamily="34" charset="0"/>
-                <a:cs typeface="Alibaba Sans Light" panose="020B0303020203040204" pitchFamily="34" charset="0"/>
-              </a:rPr>
-              <a:t>功能又多又乱，之间到底啥关系？</a:t>
-            </a:r>
-            <a:endParaRPr lang="en-US" altLang="zh-CN" dirty="0">
-              <a:latin typeface="Alibaba Sans Light" panose="020B0303020203040204" pitchFamily="34" charset="0"/>
-              <a:cs typeface="Alibaba Sans Light" panose="020B0303020203040204" pitchFamily="34" charset="0"/>
-            </a:endParaRPr>
+              <a:t>火星有一个悟空，他一半寒冰一半烈火。</a:t>
+            </a:r>
           </a:p>
         </p:txBody>
       </p:sp>
@@ -4236,6 +4219,133 @@
 </file>
 
 <file path=ppt/slides/slide5.xml><?xml version="1.0" encoding="utf-8"?>
+<p:sld xmlns:a="http://schemas.openxmlformats.org/drawingml/2006/main" xmlns:r="http://schemas.openxmlformats.org/officeDocument/2006/relationships" xmlns:p="http://schemas.openxmlformats.org/presentationml/2006/main">
+  <p:cSld>
+    <p:spTree>
+      <p:nvGrpSpPr>
+        <p:cNvPr id="1" name=""/>
+        <p:cNvGrpSpPr/>
+        <p:nvPr/>
+      </p:nvGrpSpPr>
+      <p:grpSpPr>
+        <a:xfrm>
+          <a:off x="0" y="0"/>
+          <a:ext cx="0" cy="0"/>
+          <a:chOff x="0" y="0"/>
+          <a:chExt cx="0" cy="0"/>
+        </a:xfrm>
+      </p:grpSpPr>
+      <p:sp>
+        <p:nvSpPr>
+          <p:cNvPr id="4" name="文本框 3">
+            <a:extLst>
+              <a:ext uri="{FF2B5EF4-FFF2-40B4-BE49-F238E27FC236}">
+                <a16:creationId xmlns:a16="http://schemas.microsoft.com/office/drawing/2014/main" id="{21CDF921-4702-4818-A137-43908187E083}"/>
+              </a:ext>
+            </a:extLst>
+          </p:cNvPr>
+          <p:cNvSpPr txBox="1"/>
+          <p:nvPr/>
+        </p:nvSpPr>
+        <p:spPr>
+          <a:xfrm>
+            <a:off x="356461" y="2900338"/>
+            <a:ext cx="11835539" cy="738664"/>
+          </a:xfrm>
+          <a:prstGeom prst="rect">
+            <a:avLst/>
+          </a:prstGeom>
+          <a:noFill/>
+        </p:spPr>
+        <p:txBody>
+          <a:bodyPr wrap="square" rtlCol="0">
+            <a:spAutoFit/>
+          </a:bodyPr>
+          <a:lstStyle/>
+          <a:p>
+            <a:endParaRPr lang="en-US" altLang="zh-CN" dirty="0">
+              <a:latin typeface="Alibaba Sans Black" panose="020B0A03020203040204" pitchFamily="34" charset="0"/>
+              <a:cs typeface="Alibaba Sans Black" panose="020B0A03020203040204" pitchFamily="34" charset="0"/>
+            </a:endParaRPr>
+          </a:p>
+          <a:p>
+            <a:pPr algn="ctr"/>
+            <a:r>
+              <a:rPr lang="zh-CN" altLang="en-US" sz="2400" dirty="0">
+                <a:latin typeface="Alibaba Sans Light" panose="020B0303020203040204" pitchFamily="34" charset="0"/>
+                <a:cs typeface="Alibaba Sans Light" panose="020B0303020203040204" pitchFamily="34" charset="0"/>
+              </a:rPr>
+              <a:t>火星有一个悟空，他一半寒冰一半烈火。</a:t>
+            </a:r>
+          </a:p>
+        </p:txBody>
+      </p:sp>
+      <p:sp>
+        <p:nvSpPr>
+          <p:cNvPr id="2" name="矩形 1">
+            <a:extLst>
+              <a:ext uri="{FF2B5EF4-FFF2-40B4-BE49-F238E27FC236}">
+                <a16:creationId xmlns:a16="http://schemas.microsoft.com/office/drawing/2014/main" id="{7DD6158B-028A-41AF-A140-DB1CA187AF97}"/>
+              </a:ext>
+            </a:extLst>
+          </p:cNvPr>
+          <p:cNvSpPr/>
+          <p:nvPr/>
+        </p:nvSpPr>
+        <p:spPr>
+          <a:xfrm>
+            <a:off x="0" y="0"/>
+            <a:ext cx="356461" cy="6858000"/>
+          </a:xfrm>
+          <a:prstGeom prst="rect">
+            <a:avLst/>
+          </a:prstGeom>
+          <a:solidFill>
+            <a:srgbClr val="00B0F0"/>
+          </a:solidFill>
+          <a:ln>
+            <a:noFill/>
+          </a:ln>
+        </p:spPr>
+        <p:style>
+          <a:lnRef idx="2">
+            <a:schemeClr val="accent1">
+              <a:shade val="50000"/>
+            </a:schemeClr>
+          </a:lnRef>
+          <a:fillRef idx="1">
+            <a:schemeClr val="accent1"/>
+          </a:fillRef>
+          <a:effectRef idx="0">
+            <a:schemeClr val="accent1"/>
+          </a:effectRef>
+          <a:fontRef idx="minor">
+            <a:schemeClr val="lt1"/>
+          </a:fontRef>
+        </p:style>
+        <p:txBody>
+          <a:bodyPr rtlCol="0" anchor="ctr"/>
+          <a:lstStyle/>
+          <a:p>
+            <a:pPr algn="ctr"/>
+            <a:endParaRPr lang="zh-CN" altLang="en-US"/>
+          </a:p>
+        </p:txBody>
+      </p:sp>
+    </p:spTree>
+    <p:extLst>
+      <p:ext uri="{BB962C8B-B14F-4D97-AF65-F5344CB8AC3E}">
+        <p14:creationId xmlns:p14="http://schemas.microsoft.com/office/powerpoint/2010/main" val="2722295895"/>
+      </p:ext>
+    </p:extLst>
+  </p:cSld>
+  <p:clrMapOvr>
+    <a:masterClrMapping/>
+  </p:clrMapOvr>
+</p:sld>
+</file>
+
+<file path=ppt/slides/slide6.xml><?xml version="1.0" encoding="utf-8"?>
 <p:sld xmlns:a="http://schemas.openxmlformats.org/drawingml/2006/main" xmlns:r="http://schemas.openxmlformats.org/officeDocument/2006/relationships" xmlns:p="http://schemas.openxmlformats.org/presentationml/2006/main">
   <p:cSld>
     <p:spTree>
@@ -4747,72 +4857,6 @@
           </a:fontRef>
         </p:style>
       </p:cxnSp>
-      <p:sp>
-        <p:nvSpPr>
-          <p:cNvPr id="40" name="文本框 39">
-            <a:extLst>
-              <a:ext uri="{FF2B5EF4-FFF2-40B4-BE49-F238E27FC236}">
-                <a16:creationId xmlns:a16="http://schemas.microsoft.com/office/drawing/2014/main" id="{FA9E8A54-0694-4B91-AEBA-25BB2785662A}"/>
-              </a:ext>
-            </a:extLst>
-          </p:cNvPr>
-          <p:cNvSpPr txBox="1"/>
-          <p:nvPr/>
-        </p:nvSpPr>
-        <p:spPr>
-          <a:xfrm>
-            <a:off x="7885043" y="3107940"/>
-            <a:ext cx="3327178" cy="1015663"/>
-          </a:xfrm>
-          <a:prstGeom prst="rect">
-            <a:avLst/>
-          </a:prstGeom>
-          <a:noFill/>
-        </p:spPr>
-        <p:txBody>
-          <a:bodyPr wrap="square" rtlCol="0">
-            <a:spAutoFit/>
-          </a:bodyPr>
-          <a:lstStyle/>
-          <a:p>
-            <a:r>
-              <a:rPr lang="zh-CN" altLang="en-US" sz="2000" b="1" dirty="0">
-                <a:latin typeface="阿里巴巴普惠体 L" panose="00020600040101010101" pitchFamily="18" charset="-122"/>
-                <a:ea typeface="阿里巴巴普惠体 L" panose="00020600040101010101" pitchFamily="18" charset="-122"/>
-                <a:cs typeface="阿里巴巴普惠体 L" panose="00020600040101010101" pitchFamily="18" charset="-122"/>
-              </a:rPr>
-              <a:t>火星有一个悟空，</a:t>
-            </a:r>
-            <a:endParaRPr lang="en-US" altLang="zh-CN" sz="2000" b="1" dirty="0">
-              <a:latin typeface="阿里巴巴普惠体 L" panose="00020600040101010101" pitchFamily="18" charset="-122"/>
-              <a:ea typeface="阿里巴巴普惠体 L" panose="00020600040101010101" pitchFamily="18" charset="-122"/>
-              <a:cs typeface="阿里巴巴普惠体 L" panose="00020600040101010101" pitchFamily="18" charset="-122"/>
-            </a:endParaRPr>
-          </a:p>
-          <a:p>
-            <a:endParaRPr lang="en-US" altLang="zh-CN" sz="2000" b="1" dirty="0">
-              <a:latin typeface="阿里巴巴普惠体 L" panose="00020600040101010101" pitchFamily="18" charset="-122"/>
-              <a:ea typeface="阿里巴巴普惠体 L" panose="00020600040101010101" pitchFamily="18" charset="-122"/>
-              <a:cs typeface="阿里巴巴普惠体 L" panose="00020600040101010101" pitchFamily="18" charset="-122"/>
-            </a:endParaRPr>
-          </a:p>
-          <a:p>
-            <a:r>
-              <a:rPr lang="zh-CN" altLang="en-US" sz="2000" b="1" dirty="0">
-                <a:latin typeface="阿里巴巴普惠体 L" panose="00020600040101010101" pitchFamily="18" charset="-122"/>
-                <a:ea typeface="阿里巴巴普惠体 L" panose="00020600040101010101" pitchFamily="18" charset="-122"/>
-                <a:cs typeface="阿里巴巴普惠体 L" panose="00020600040101010101" pitchFamily="18" charset="-122"/>
-              </a:rPr>
-              <a:t>他时而温顺，时而暴躁！</a:t>
-            </a:r>
-            <a:endParaRPr lang="en-US" altLang="zh-CN" sz="2000" b="1" dirty="0">
-              <a:latin typeface="阿里巴巴普惠体 L" panose="00020600040101010101" pitchFamily="18" charset="-122"/>
-              <a:ea typeface="阿里巴巴普惠体 L" panose="00020600040101010101" pitchFamily="18" charset="-122"/>
-              <a:cs typeface="阿里巴巴普惠体 L" panose="00020600040101010101" pitchFamily="18" charset="-122"/>
-            </a:endParaRPr>
-          </a:p>
-        </p:txBody>
-      </p:sp>
       <p:sp>
         <p:nvSpPr>
           <p:cNvPr id="43" name="思想气泡: 云 42">
@@ -4882,13 +4926,7 @@
           <p:cNvGraphicFramePr>
             <a:graphicFrameLocks noGrp="1"/>
           </p:cNvGraphicFramePr>
-          <p:nvPr>
-            <p:extLst>
-              <p:ext uri="{D42A27DB-BD31-4B8C-83A1-F6EECF244321}">
-                <p14:modId xmlns:p14="http://schemas.microsoft.com/office/powerpoint/2010/main" val="1112653160"/>
-              </p:ext>
-            </p:extLst>
-          </p:nvPr>
+          <p:nvPr/>
         </p:nvGraphicFramePr>
         <p:xfrm>
           <a:off x="7735324" y="621047"/>
@@ -5342,7 +5380,7 @@
           <p:nvPr>
             <p:extLst>
               <p:ext uri="{D42A27DB-BD31-4B8C-83A1-F6EECF244321}">
-                <p14:modId xmlns:p14="http://schemas.microsoft.com/office/powerpoint/2010/main" val="1917443547"/>
+                <p14:modId xmlns:p14="http://schemas.microsoft.com/office/powerpoint/2010/main" val="387631207"/>
               </p:ext>
             </p:extLst>
           </p:nvPr>
@@ -5944,13 +5982,7 @@
           <p:cNvGraphicFramePr>
             <a:graphicFrameLocks noGrp="1"/>
           </p:cNvGraphicFramePr>
-          <p:nvPr>
-            <p:extLst>
-              <p:ext uri="{D42A27DB-BD31-4B8C-83A1-F6EECF244321}">
-                <p14:modId xmlns:p14="http://schemas.microsoft.com/office/powerpoint/2010/main" val="2177800131"/>
-              </p:ext>
-            </p:extLst>
-          </p:nvPr>
+          <p:nvPr/>
         </p:nvGraphicFramePr>
         <p:xfrm>
           <a:off x="1841797" y="4901608"/>
@@ -6412,13 +6444,7 @@
           <p:cNvGraphicFramePr>
             <a:graphicFrameLocks noGrp="1"/>
           </p:cNvGraphicFramePr>
-          <p:nvPr>
-            <p:extLst>
-              <p:ext uri="{D42A27DB-BD31-4B8C-83A1-F6EECF244321}">
-                <p14:modId xmlns:p14="http://schemas.microsoft.com/office/powerpoint/2010/main" val="2785818133"/>
-              </p:ext>
-            </p:extLst>
-          </p:nvPr>
+          <p:nvPr/>
         </p:nvGraphicFramePr>
         <p:xfrm>
           <a:off x="979779" y="2695312"/>
@@ -6721,7 +6747,7 @@
     </p:spTree>
     <p:extLst>
       <p:ext uri="{BB962C8B-B14F-4D97-AF65-F5344CB8AC3E}">
-        <p14:creationId xmlns:p14="http://schemas.microsoft.com/office/powerpoint/2010/main" val="141095954"/>
+        <p14:creationId xmlns:p14="http://schemas.microsoft.com/office/powerpoint/2010/main" val="849454211"/>
       </p:ext>
     </p:extLst>
   </p:cSld>
